--- a/doc/praesentationen/zwischenpraesentation2/zwischenpraesentation.pptx
+++ b/doc/praesentationen/zwischenpraesentation2/zwischenpraesentation.pptx
@@ -11,11 +11,11 @@
     <p:sldId id="256" r:id="rId2"/>
     <p:sldId id="275" r:id="rId3"/>
     <p:sldId id="260" r:id="rId4"/>
-    <p:sldId id="269" r:id="rId5"/>
-    <p:sldId id="277" r:id="rId6"/>
-    <p:sldId id="278" r:id="rId7"/>
-    <p:sldId id="276" r:id="rId8"/>
-    <p:sldId id="279" r:id="rId9"/>
+    <p:sldId id="277" r:id="rId5"/>
+    <p:sldId id="278" r:id="rId6"/>
+    <p:sldId id="276" r:id="rId7"/>
+    <p:sldId id="279" r:id="rId8"/>
+    <p:sldId id="269" r:id="rId9"/>
     <p:sldId id="266" r:id="rId10"/>
     <p:sldId id="280" r:id="rId11"/>
     <p:sldId id="258" r:id="rId12"/>
@@ -218,7 +218,7 @@
           <a:p>
             <a:fld id="{BAC321FE-1D9F-45D7-8049-960614AA7E6D}" type="datetimeFigureOut">
               <a:rPr lang="de-AT" smtClean="0"/>
-              <a:t>18.01.2016</a:t>
+              <a:t>20.01.2016</a:t>
             </a:fld>
             <a:endParaRPr lang="de-AT"/>
           </a:p>
@@ -719,7 +719,7 @@
           <a:p>
             <a:fld id="{29762CD8-621B-4F91-8562-B99011748CCE}" type="slidenum">
               <a:rPr lang="de-AT" smtClean="0"/>
-              <a:t>7</a:t>
+              <a:t>6</a:t>
             </a:fld>
             <a:endParaRPr lang="de-AT"/>
           </a:p>
@@ -3918,90 +3918,224 @@
           </a:p>
         </p:txBody>
       </p:sp>
-      <p:pic>
-        <p:nvPicPr>
-          <p:cNvPr id="7174" name="Picture 6" descr="http://www.falcomgraphics.com/images/logo_javascript.png"/>
-          <p:cNvPicPr>
-            <a:picLocks noChangeAspect="1" noChangeArrowheads="1"/>
-          </p:cNvPicPr>
+      <p:sp>
+        <p:nvSpPr>
+          <p:cNvPr id="3" name="Datumsplatzhalter 2"/>
+          <p:cNvSpPr>
+            <a:spLocks noGrp="1"/>
+          </p:cNvSpPr>
+          <p:nvPr>
+            <p:ph type="dt" sz="half" idx="10"/>
+          </p:nvPr>
+        </p:nvSpPr>
+        <p:spPr/>
+        <p:txBody>
+          <a:bodyPr/>
+          <a:lstStyle/>
+          <a:p>
+            <a:r>
+              <a:rPr lang="de-AT" smtClean="0"/>
+              <a:t>20.01.2016</a:t>
+            </a:r>
+            <a:endParaRPr lang="de-AT"/>
+          </a:p>
+        </p:txBody>
+      </p:sp>
+      <p:sp>
+        <p:nvSpPr>
+          <p:cNvPr id="4" name="Fußzeilenplatzhalter 3"/>
+          <p:cNvSpPr>
+            <a:spLocks noGrp="1"/>
+          </p:cNvSpPr>
+          <p:nvPr>
+            <p:ph type="ftr" sz="quarter" idx="11"/>
+          </p:nvPr>
+        </p:nvSpPr>
+        <p:spPr/>
+        <p:txBody>
+          <a:bodyPr/>
+          <a:lstStyle/>
+          <a:p>
+            <a:r>
+              <a:rPr lang="de-AT" smtClean="0"/>
+              <a:t>Zwischenpräsentation 2 - DSN</a:t>
+            </a:r>
+            <a:endParaRPr lang="de-AT" dirty="0"/>
+          </a:p>
+        </p:txBody>
+      </p:sp>
+      <p:sp>
+        <p:nvSpPr>
+          <p:cNvPr id="9" name="Abgerundetes Rechteck 8"/>
+          <p:cNvSpPr/>
           <p:nvPr/>
-        </p:nvPicPr>
-        <p:blipFill>
-          <a:blip r:embed="rId2">
-            <a:extLst>
-              <a:ext uri="{28A0092B-C50C-407E-A947-70E740481C1C}">
-                <a14:useLocalDpi xmlns:a14="http://schemas.microsoft.com/office/drawing/2010/main" val="0"/>
-              </a:ext>
-            </a:extLst>
-          </a:blip>
-          <a:srcRect/>
-          <a:stretch>
-            <a:fillRect/>
-          </a:stretch>
-        </p:blipFill>
-        <p:spPr bwMode="auto">
+        </p:nvSpPr>
+        <p:spPr>
           <a:xfrm>
-            <a:off x="3429000" y="1022349"/>
-            <a:ext cx="5334000" cy="5334001"/>
+            <a:off x="2641712" y="1855189"/>
+            <a:ext cx="2994562" cy="1997034"/>
           </a:xfrm>
-          <a:prstGeom prst="rect">
+          <a:prstGeom prst="roundRect">
             <a:avLst/>
           </a:prstGeom>
-          <a:noFill/>
-          <a:extLst>
-            <a:ext uri="{909E8E84-426E-40DD-AFC4-6F175D3DCCD1}">
-              <a14:hiddenFill xmlns:a14="http://schemas.microsoft.com/office/drawing/2010/main">
+          <a:solidFill>
+            <a:srgbClr val="7EA585"/>
+          </a:solidFill>
+        </p:spPr>
+        <p:style>
+          <a:lnRef idx="1">
+            <a:schemeClr val="accent6"/>
+          </a:lnRef>
+          <a:fillRef idx="2">
+            <a:schemeClr val="accent6"/>
+          </a:fillRef>
+          <a:effectRef idx="1">
+            <a:schemeClr val="accent6"/>
+          </a:effectRef>
+          <a:fontRef idx="minor">
+            <a:schemeClr val="dk1"/>
+          </a:fontRef>
+        </p:style>
+        <p:txBody>
+          <a:bodyPr rtlCol="0" anchor="ctr"/>
+          <a:lstStyle/>
+          <a:p>
+            <a:pPr algn="ctr"/>
+            <a:r>
+              <a:rPr lang="de-AT" sz="2800" dirty="0" smtClean="0">
                 <a:solidFill>
-                  <a:srgbClr val="FFFFFF"/>
+                  <a:schemeClr val="bg1"/>
                 </a:solidFill>
-              </a14:hiddenFill>
-            </a:ext>
-          </a:extLst>
+              </a:rPr>
+              <a:t>JavaScript-Frameworks</a:t>
+            </a:r>
+            <a:endParaRPr lang="de-AT" dirty="0">
+              <a:solidFill>
+                <a:schemeClr val="bg1"/>
+              </a:solidFill>
+            </a:endParaRPr>
+          </a:p>
+        </p:txBody>
+      </p:sp>
+      <p:sp>
+        <p:nvSpPr>
+          <p:cNvPr id="10" name="Abgerundetes Rechteck 9"/>
+          <p:cNvSpPr/>
+          <p:nvPr/>
+        </p:nvSpPr>
+        <p:spPr>
+          <a:xfrm>
+            <a:off x="6992535" y="1855189"/>
+            <a:ext cx="2994562" cy="1997034"/>
+          </a:xfrm>
+          <a:prstGeom prst="roundRect">
+            <a:avLst/>
+          </a:prstGeom>
+          <a:solidFill>
+            <a:srgbClr val="7EA585"/>
+          </a:solidFill>
         </p:spPr>
-      </p:pic>
-      <p:sp>
-        <p:nvSpPr>
-          <p:cNvPr id="3" name="Datumsplatzhalter 2"/>
-          <p:cNvSpPr>
-            <a:spLocks noGrp="1"/>
-          </p:cNvSpPr>
-          <p:nvPr>
-            <p:ph type="dt" sz="half" idx="10"/>
-          </p:nvPr>
-        </p:nvSpPr>
-        <p:spPr/>
-        <p:txBody>
-          <a:bodyPr/>
-          <a:lstStyle/>
-          <a:p>
-            <a:r>
-              <a:rPr lang="de-AT" smtClean="0"/>
-              <a:t>20.01.2016</a:t>
-            </a:r>
-            <a:endParaRPr lang="de-AT"/>
-          </a:p>
-        </p:txBody>
-      </p:sp>
-      <p:sp>
-        <p:nvSpPr>
-          <p:cNvPr id="4" name="Fußzeilenplatzhalter 3"/>
-          <p:cNvSpPr>
-            <a:spLocks noGrp="1"/>
-          </p:cNvSpPr>
-          <p:nvPr>
-            <p:ph type="ftr" sz="quarter" idx="11"/>
-          </p:nvPr>
-        </p:nvSpPr>
-        <p:spPr/>
-        <p:txBody>
-          <a:bodyPr/>
-          <a:lstStyle/>
-          <a:p>
-            <a:r>
-              <a:rPr lang="de-AT" smtClean="0"/>
-              <a:t>Zwischenpräsentation 2 - DSN</a:t>
-            </a:r>
-            <a:endParaRPr lang="de-AT" dirty="0"/>
+        <p:style>
+          <a:lnRef idx="1">
+            <a:schemeClr val="accent6"/>
+          </a:lnRef>
+          <a:fillRef idx="2">
+            <a:schemeClr val="accent6"/>
+          </a:fillRef>
+          <a:effectRef idx="1">
+            <a:schemeClr val="accent6"/>
+          </a:effectRef>
+          <a:fontRef idx="minor">
+            <a:schemeClr val="dk1"/>
+          </a:fontRef>
+        </p:style>
+        <p:txBody>
+          <a:bodyPr rtlCol="0" anchor="ctr"/>
+          <a:lstStyle/>
+          <a:p>
+            <a:pPr algn="ctr"/>
+            <a:r>
+              <a:rPr lang="de-AT" sz="2800" dirty="0" smtClean="0">
+                <a:solidFill>
+                  <a:schemeClr val="bg1"/>
+                </a:solidFill>
+              </a:rPr>
+              <a:t>Optical </a:t>
+            </a:r>
+            <a:r>
+              <a:rPr lang="de-AT" sz="2800" dirty="0" err="1" smtClean="0">
+                <a:solidFill>
+                  <a:schemeClr val="bg1"/>
+                </a:solidFill>
+              </a:rPr>
+              <a:t>Character</a:t>
+            </a:r>
+            <a:r>
+              <a:rPr lang="de-AT" sz="2800" dirty="0" smtClean="0">
+                <a:solidFill>
+                  <a:schemeClr val="bg1"/>
+                </a:solidFill>
+              </a:rPr>
+              <a:t> Recognition</a:t>
+            </a:r>
+            <a:endParaRPr lang="de-AT" dirty="0">
+              <a:solidFill>
+                <a:schemeClr val="bg1"/>
+              </a:solidFill>
+            </a:endParaRPr>
+          </a:p>
+        </p:txBody>
+      </p:sp>
+      <p:sp>
+        <p:nvSpPr>
+          <p:cNvPr id="11" name="Abgerundetes Rechteck 10"/>
+          <p:cNvSpPr/>
+          <p:nvPr/>
+        </p:nvSpPr>
+        <p:spPr>
+          <a:xfrm>
+            <a:off x="4817124" y="4100699"/>
+            <a:ext cx="2994562" cy="1997034"/>
+          </a:xfrm>
+          <a:prstGeom prst="roundRect">
+            <a:avLst/>
+          </a:prstGeom>
+          <a:solidFill>
+            <a:srgbClr val="7EA585"/>
+          </a:solidFill>
+        </p:spPr>
+        <p:style>
+          <a:lnRef idx="1">
+            <a:schemeClr val="accent6"/>
+          </a:lnRef>
+          <a:fillRef idx="2">
+            <a:schemeClr val="accent6"/>
+          </a:fillRef>
+          <a:effectRef idx="1">
+            <a:schemeClr val="accent6"/>
+          </a:effectRef>
+          <a:fontRef idx="minor">
+            <a:schemeClr val="dk1"/>
+          </a:fontRef>
+        </p:style>
+        <p:txBody>
+          <a:bodyPr rtlCol="0" anchor="ctr"/>
+          <a:lstStyle/>
+          <a:p>
+            <a:pPr algn="ctr"/>
+            <a:r>
+              <a:rPr lang="de-AT" sz="2800" dirty="0" smtClean="0">
+                <a:solidFill>
+                  <a:schemeClr val="bg1"/>
+                </a:solidFill>
+              </a:rPr>
+              <a:t>Parallel Working System</a:t>
+            </a:r>
+            <a:endParaRPr lang="de-AT" dirty="0">
+              <a:solidFill>
+                <a:schemeClr val="bg1"/>
+              </a:solidFill>
+            </a:endParaRPr>
           </a:p>
         </p:txBody>
       </p:sp>
@@ -4928,7 +5062,7 @@
             <a:pPr algn="ctr"/>
             <a:r>
               <a:rPr lang="de-AT" sz="6000" dirty="0" smtClean="0"/>
-              <a:t>Projektfortschritt - Adler</a:t>
+              <a:t>Projektfortschritt - Brinnich</a:t>
             </a:r>
             <a:endParaRPr lang="de-AT" sz="6000" dirty="0"/>
           </a:p>
@@ -4959,85 +5093,93 @@
       </p:sp>
       <p:pic>
         <p:nvPicPr>
-          <p:cNvPr id="5122" name="Picture 2" descr="https://image.freepik.com/freie-ikonen/datenbank-symbol_318-9131.jpg"/>
+          <p:cNvPr id="3" name="Grafik 2"/>
           <p:cNvPicPr>
-            <a:picLocks noChangeAspect="1" noChangeArrowheads="1"/>
+            <a:picLocks noChangeAspect="1"/>
           </p:cNvPicPr>
           <p:nvPr/>
         </p:nvPicPr>
         <p:blipFill>
-          <a:blip r:embed="rId2">
-            <a:extLst>
-              <a:ext uri="{28A0092B-C50C-407E-A947-70E740481C1C}">
-                <a14:useLocalDpi xmlns:a14="http://schemas.microsoft.com/office/drawing/2010/main" val="0"/>
-              </a:ext>
-            </a:extLst>
-          </a:blip>
-          <a:srcRect/>
+          <a:blip r:embed="rId2"/>
           <a:stretch>
             <a:fillRect/>
           </a:stretch>
         </p:blipFill>
-        <p:spPr bwMode="auto">
+        <p:spPr>
           <a:xfrm>
-            <a:off x="6876143" y="2213465"/>
-            <a:ext cx="3468914" cy="3555928"/>
+            <a:off x="6951600" y="2105989"/>
+            <a:ext cx="5012914" cy="3485702"/>
           </a:xfrm>
           <a:prstGeom prst="rect">
             <a:avLst/>
           </a:prstGeom>
-          <a:noFill/>
-          <a:extLst>
-            <a:ext uri="{909E8E84-426E-40DD-AFC4-6F175D3DCCD1}">
-              <a14:hiddenFill xmlns:a14="http://schemas.microsoft.com/office/drawing/2010/main">
-                <a:solidFill>
-                  <a:srgbClr val="FFFFFF"/>
-                </a:solidFill>
-              </a14:hiddenFill>
-            </a:ext>
-          </a:extLst>
         </p:spPr>
       </p:pic>
+      <p:sp>
+        <p:nvSpPr>
+          <p:cNvPr id="7" name="Pfeil nach rechts 6"/>
+          <p:cNvSpPr/>
+          <p:nvPr/>
+        </p:nvSpPr>
+        <p:spPr>
+          <a:xfrm>
+            <a:off x="4900014" y="3326451"/>
+            <a:ext cx="1857828" cy="934276"/>
+          </a:xfrm>
+          <a:prstGeom prst="rightArrow">
+            <a:avLst/>
+          </a:prstGeom>
+        </p:spPr>
+        <p:style>
+          <a:lnRef idx="1">
+            <a:schemeClr val="accent6"/>
+          </a:lnRef>
+          <a:fillRef idx="2">
+            <a:schemeClr val="accent6"/>
+          </a:fillRef>
+          <a:effectRef idx="1">
+            <a:schemeClr val="accent6"/>
+          </a:effectRef>
+          <a:fontRef idx="minor">
+            <a:schemeClr val="dk1"/>
+          </a:fontRef>
+        </p:style>
+        <p:txBody>
+          <a:bodyPr rtlCol="0" anchor="ctr"/>
+          <a:lstStyle/>
+          <a:p>
+            <a:pPr algn="ctr"/>
+            <a:endParaRPr lang="de-AT"/>
+          </a:p>
+        </p:txBody>
+      </p:sp>
       <p:pic>
         <p:nvPicPr>
-          <p:cNvPr id="5124" name="Picture 4" descr="http://img1.wikia.nocookie.net/__cb20140129172620/lieblingsbuecher/de/images/e/e8/Stift_-_Vector-Icon.png"/>
+          <p:cNvPr id="8" name="Grafik 7"/>
           <p:cNvPicPr>
-            <a:picLocks noChangeAspect="1" noChangeArrowheads="1"/>
+            <a:picLocks noChangeAspect="1"/>
           </p:cNvPicPr>
           <p:nvPr/>
         </p:nvPicPr>
         <p:blipFill>
-          <a:blip r:embed="rId3">
-            <a:extLst>
-              <a:ext uri="{28A0092B-C50C-407E-A947-70E740481C1C}">
-                <a14:useLocalDpi xmlns:a14="http://schemas.microsoft.com/office/drawing/2010/main" val="0"/>
-              </a:ext>
-            </a:extLst>
-          </a:blip>
-          <a:srcRect/>
+          <a:blip r:embed="rId3"/>
           <a:stretch>
             <a:fillRect/>
           </a:stretch>
         </p:blipFill>
-        <p:spPr bwMode="auto">
+        <p:spPr>
           <a:xfrm>
-            <a:off x="1418772" y="1394731"/>
-            <a:ext cx="4876800" cy="4876801"/>
+            <a:off x="225555" y="2105989"/>
+            <a:ext cx="4480702" cy="3375201"/>
           </a:xfrm>
           <a:prstGeom prst="rect">
             <a:avLst/>
           </a:prstGeom>
-          <a:noFill/>
-          <a:ln>
-            <a:solidFill>
-              <a:schemeClr val="bg1"/>
-            </a:solidFill>
-          </a:ln>
         </p:spPr>
       </p:pic>
       <p:sp>
         <p:nvSpPr>
-          <p:cNvPr id="3" name="Datumsplatzhalter 2"/>
+          <p:cNvPr id="5" name="Datumsplatzhalter 4"/>
           <p:cNvSpPr>
             <a:spLocks noGrp="1"/>
           </p:cNvSpPr>
@@ -5060,7 +5202,7 @@
       </p:sp>
       <p:sp>
         <p:nvSpPr>
-          <p:cNvPr id="5" name="Fußzeilenplatzhalter 4"/>
+          <p:cNvPr id="6" name="Fußzeilenplatzhalter 5"/>
           <p:cNvSpPr>
             <a:spLocks noGrp="1"/>
           </p:cNvSpPr>
@@ -5084,7 +5226,7 @@
     </p:spTree>
     <p:extLst>
       <p:ext uri="{BB962C8B-B14F-4D97-AF65-F5344CB8AC3E}">
-        <p14:creationId xmlns:p14="http://schemas.microsoft.com/office/powerpoint/2010/main" val="3252757817"/>
+        <p14:creationId xmlns:p14="http://schemas.microsoft.com/office/powerpoint/2010/main" val="379609681"/>
       </p:ext>
     </p:extLst>
   </p:cSld>
@@ -5138,7 +5280,7 @@
             <a:pPr algn="ctr"/>
             <a:r>
               <a:rPr lang="de-AT" sz="6000" dirty="0" smtClean="0"/>
-              <a:t>Projektfortschritt - Brinnich</a:t>
+              <a:t>Projektfortschritt - Karic</a:t>
             </a:r>
             <a:endParaRPr lang="de-AT" sz="6000" dirty="0"/>
           </a:p>
@@ -5162,224 +5304,6 @@
             <a:fld id="{7EEEAADA-5977-413A-88BE-91037F6BA02B}" type="slidenum">
               <a:rPr lang="de-AT" smtClean="0"/>
               <a:t>5</a:t>
-            </a:fld>
-            <a:endParaRPr lang="de-AT"/>
-          </a:p>
-        </p:txBody>
-      </p:sp>
-      <p:pic>
-        <p:nvPicPr>
-          <p:cNvPr id="3" name="Grafik 2"/>
-          <p:cNvPicPr>
-            <a:picLocks noChangeAspect="1"/>
-          </p:cNvPicPr>
-          <p:nvPr/>
-        </p:nvPicPr>
-        <p:blipFill>
-          <a:blip r:embed="rId2"/>
-          <a:stretch>
-            <a:fillRect/>
-          </a:stretch>
-        </p:blipFill>
-        <p:spPr>
-          <a:xfrm>
-            <a:off x="6951600" y="2105989"/>
-            <a:ext cx="5012914" cy="3485702"/>
-          </a:xfrm>
-          <a:prstGeom prst="rect">
-            <a:avLst/>
-          </a:prstGeom>
-        </p:spPr>
-      </p:pic>
-      <p:sp>
-        <p:nvSpPr>
-          <p:cNvPr id="7" name="Pfeil nach rechts 6"/>
-          <p:cNvSpPr/>
-          <p:nvPr/>
-        </p:nvSpPr>
-        <p:spPr>
-          <a:xfrm>
-            <a:off x="4900014" y="3326451"/>
-            <a:ext cx="1857828" cy="934276"/>
-          </a:xfrm>
-          <a:prstGeom prst="rightArrow">
-            <a:avLst/>
-          </a:prstGeom>
-        </p:spPr>
-        <p:style>
-          <a:lnRef idx="1">
-            <a:schemeClr val="accent6"/>
-          </a:lnRef>
-          <a:fillRef idx="2">
-            <a:schemeClr val="accent6"/>
-          </a:fillRef>
-          <a:effectRef idx="1">
-            <a:schemeClr val="accent6"/>
-          </a:effectRef>
-          <a:fontRef idx="minor">
-            <a:schemeClr val="dk1"/>
-          </a:fontRef>
-        </p:style>
-        <p:txBody>
-          <a:bodyPr rtlCol="0" anchor="ctr"/>
-          <a:lstStyle/>
-          <a:p>
-            <a:pPr algn="ctr"/>
-            <a:endParaRPr lang="de-AT"/>
-          </a:p>
-        </p:txBody>
-      </p:sp>
-      <p:pic>
-        <p:nvPicPr>
-          <p:cNvPr id="8" name="Grafik 7"/>
-          <p:cNvPicPr>
-            <a:picLocks noChangeAspect="1"/>
-          </p:cNvPicPr>
-          <p:nvPr/>
-        </p:nvPicPr>
-        <p:blipFill>
-          <a:blip r:embed="rId3"/>
-          <a:stretch>
-            <a:fillRect/>
-          </a:stretch>
-        </p:blipFill>
-        <p:spPr>
-          <a:xfrm>
-            <a:off x="225555" y="2105989"/>
-            <a:ext cx="4480702" cy="3375201"/>
-          </a:xfrm>
-          <a:prstGeom prst="rect">
-            <a:avLst/>
-          </a:prstGeom>
-        </p:spPr>
-      </p:pic>
-      <p:sp>
-        <p:nvSpPr>
-          <p:cNvPr id="5" name="Datumsplatzhalter 4"/>
-          <p:cNvSpPr>
-            <a:spLocks noGrp="1"/>
-          </p:cNvSpPr>
-          <p:nvPr>
-            <p:ph type="dt" sz="half" idx="10"/>
-          </p:nvPr>
-        </p:nvSpPr>
-        <p:spPr/>
-        <p:txBody>
-          <a:bodyPr/>
-          <a:lstStyle/>
-          <a:p>
-            <a:r>
-              <a:rPr lang="de-AT" smtClean="0"/>
-              <a:t>20.01.2016</a:t>
-            </a:r>
-            <a:endParaRPr lang="de-AT"/>
-          </a:p>
-        </p:txBody>
-      </p:sp>
-      <p:sp>
-        <p:nvSpPr>
-          <p:cNvPr id="6" name="Fußzeilenplatzhalter 5"/>
-          <p:cNvSpPr>
-            <a:spLocks noGrp="1"/>
-          </p:cNvSpPr>
-          <p:nvPr>
-            <p:ph type="ftr" sz="quarter" idx="11"/>
-          </p:nvPr>
-        </p:nvSpPr>
-        <p:spPr/>
-        <p:txBody>
-          <a:bodyPr/>
-          <a:lstStyle/>
-          <a:p>
-            <a:r>
-              <a:rPr lang="de-AT" smtClean="0"/>
-              <a:t>Zwischenpräsentation 2 - DSN</a:t>
-            </a:r>
-            <a:endParaRPr lang="de-AT" dirty="0"/>
-          </a:p>
-        </p:txBody>
-      </p:sp>
-    </p:spTree>
-    <p:extLst>
-      <p:ext uri="{BB962C8B-B14F-4D97-AF65-F5344CB8AC3E}">
-        <p14:creationId xmlns:p14="http://schemas.microsoft.com/office/powerpoint/2010/main" val="379609681"/>
-      </p:ext>
-    </p:extLst>
-  </p:cSld>
-  <p:clrMapOvr>
-    <a:masterClrMapping/>
-  </p:clrMapOvr>
-  <p:timing>
-    <p:tnLst>
-      <p:par>
-        <p:cTn id="1" dur="indefinite" restart="never" nodeType="tmRoot"/>
-      </p:par>
-    </p:tnLst>
-  </p:timing>
-</p:sld>
-</file>
-
-<file path=ppt/slides/slide6.xml><?xml version="1.0" encoding="utf-8"?>
-<p:sld xmlns:a="http://schemas.openxmlformats.org/drawingml/2006/main" xmlns:r="http://schemas.openxmlformats.org/officeDocument/2006/relationships" xmlns:p="http://schemas.openxmlformats.org/presentationml/2006/main">
-  <p:cSld>
-    <p:spTree>
-      <p:nvGrpSpPr>
-        <p:cNvPr id="1" name=""/>
-        <p:cNvGrpSpPr/>
-        <p:nvPr/>
-      </p:nvGrpSpPr>
-      <p:grpSpPr>
-        <a:xfrm>
-          <a:off x="0" y="0"/>
-          <a:ext cx="0" cy="0"/>
-          <a:chOff x="0" y="0"/>
-          <a:chExt cx="0" cy="0"/>
-        </a:xfrm>
-      </p:grpSpPr>
-      <p:sp>
-        <p:nvSpPr>
-          <p:cNvPr id="2" name="Titel 1"/>
-          <p:cNvSpPr>
-            <a:spLocks noGrp="1"/>
-          </p:cNvSpPr>
-          <p:nvPr>
-            <p:ph type="title"/>
-          </p:nvPr>
-        </p:nvSpPr>
-        <p:spPr/>
-        <p:txBody>
-          <a:bodyPr>
-            <a:noAutofit/>
-          </a:bodyPr>
-          <a:lstStyle/>
-          <a:p>
-            <a:pPr algn="ctr"/>
-            <a:r>
-              <a:rPr lang="de-AT" sz="6000" dirty="0" smtClean="0"/>
-              <a:t>Projektfortschritt - Karic</a:t>
-            </a:r>
-            <a:endParaRPr lang="de-AT" sz="6000" dirty="0"/>
-          </a:p>
-        </p:txBody>
-      </p:sp>
-      <p:sp>
-        <p:nvSpPr>
-          <p:cNvPr id="4" name="Foliennummernplatzhalter 3"/>
-          <p:cNvSpPr>
-            <a:spLocks noGrp="1"/>
-          </p:cNvSpPr>
-          <p:nvPr>
-            <p:ph type="sldNum" sz="quarter" idx="12"/>
-          </p:nvPr>
-        </p:nvSpPr>
-        <p:spPr/>
-        <p:txBody>
-          <a:bodyPr/>
-          <a:lstStyle/>
-          <a:p>
-            <a:fld id="{7EEEAADA-5977-413A-88BE-91037F6BA02B}" type="slidenum">
-              <a:rPr lang="de-AT" smtClean="0"/>
-              <a:t>6</a:t>
             </a:fld>
             <a:endParaRPr lang="de-AT"/>
           </a:p>
@@ -5498,7 +5422,7 @@
 </p:sld>
 </file>
 
-<file path=ppt/slides/slide7.xml><?xml version="1.0" encoding="utf-8"?>
+<file path=ppt/slides/slide6.xml><?xml version="1.0" encoding="utf-8"?>
 <p:sld xmlns:a="http://schemas.openxmlformats.org/drawingml/2006/main" xmlns:r="http://schemas.openxmlformats.org/officeDocument/2006/relationships" xmlns:p="http://schemas.openxmlformats.org/presentationml/2006/main">
   <p:cSld>
     <p:spTree>
@@ -5558,7 +5482,7 @@
           <a:p>
             <a:fld id="{7EEEAADA-5977-413A-88BE-91037F6BA02B}" type="slidenum">
               <a:rPr lang="de-AT" smtClean="0"/>
-              <a:t>7</a:t>
+              <a:t>6</a:t>
             </a:fld>
             <a:endParaRPr lang="de-AT"/>
           </a:p>
@@ -5678,7 +5602,7 @@
 </p:sld>
 </file>
 
-<file path=ppt/slides/slide8.xml><?xml version="1.0" encoding="utf-8"?>
+<file path=ppt/slides/slide7.xml><?xml version="1.0" encoding="utf-8"?>
 <p:sld xmlns:a="http://schemas.openxmlformats.org/drawingml/2006/main" xmlns:r="http://schemas.openxmlformats.org/officeDocument/2006/relationships" xmlns:p="http://schemas.openxmlformats.org/presentationml/2006/main">
   <p:cSld>
     <p:spTree>
@@ -5738,7 +5662,7 @@
           <a:p>
             <a:fld id="{7EEEAADA-5977-413A-88BE-91037F6BA02B}" type="slidenum">
               <a:rPr lang="de-AT" smtClean="0"/>
-              <a:t>8</a:t>
+              <a:t>7</a:t>
             </a:fld>
             <a:endParaRPr lang="de-AT"/>
           </a:p>
@@ -5883,6 +5807,216 @@
     <p:extLst>
       <p:ext uri="{BB962C8B-B14F-4D97-AF65-F5344CB8AC3E}">
         <p14:creationId xmlns:p14="http://schemas.microsoft.com/office/powerpoint/2010/main" val="1889582998"/>
+      </p:ext>
+    </p:extLst>
+  </p:cSld>
+  <p:clrMapOvr>
+    <a:masterClrMapping/>
+  </p:clrMapOvr>
+  <p:timing>
+    <p:tnLst>
+      <p:par>
+        <p:cTn id="1" dur="indefinite" restart="never" nodeType="tmRoot"/>
+      </p:par>
+    </p:tnLst>
+  </p:timing>
+</p:sld>
+</file>
+
+<file path=ppt/slides/slide8.xml><?xml version="1.0" encoding="utf-8"?>
+<p:sld xmlns:a="http://schemas.openxmlformats.org/drawingml/2006/main" xmlns:r="http://schemas.openxmlformats.org/officeDocument/2006/relationships" xmlns:p="http://schemas.openxmlformats.org/presentationml/2006/main">
+  <p:cSld>
+    <p:spTree>
+      <p:nvGrpSpPr>
+        <p:cNvPr id="1" name=""/>
+        <p:cNvGrpSpPr/>
+        <p:nvPr/>
+      </p:nvGrpSpPr>
+      <p:grpSpPr>
+        <a:xfrm>
+          <a:off x="0" y="0"/>
+          <a:ext cx="0" cy="0"/>
+          <a:chOff x="0" y="0"/>
+          <a:chExt cx="0" cy="0"/>
+        </a:xfrm>
+      </p:grpSpPr>
+      <p:sp>
+        <p:nvSpPr>
+          <p:cNvPr id="2" name="Titel 1"/>
+          <p:cNvSpPr>
+            <a:spLocks noGrp="1"/>
+          </p:cNvSpPr>
+          <p:nvPr>
+            <p:ph type="title"/>
+          </p:nvPr>
+        </p:nvSpPr>
+        <p:spPr/>
+        <p:txBody>
+          <a:bodyPr>
+            <a:noAutofit/>
+          </a:bodyPr>
+          <a:lstStyle/>
+          <a:p>
+            <a:pPr algn="ctr"/>
+            <a:r>
+              <a:rPr lang="de-AT" sz="6000" dirty="0" smtClean="0"/>
+              <a:t>Projektfortschritt - Adler</a:t>
+            </a:r>
+            <a:endParaRPr lang="de-AT" sz="6000" dirty="0"/>
+          </a:p>
+        </p:txBody>
+      </p:sp>
+      <p:sp>
+        <p:nvSpPr>
+          <p:cNvPr id="4" name="Foliennummernplatzhalter 3"/>
+          <p:cNvSpPr>
+            <a:spLocks noGrp="1"/>
+          </p:cNvSpPr>
+          <p:nvPr>
+            <p:ph type="sldNum" sz="quarter" idx="12"/>
+          </p:nvPr>
+        </p:nvSpPr>
+        <p:spPr/>
+        <p:txBody>
+          <a:bodyPr/>
+          <a:lstStyle/>
+          <a:p>
+            <a:fld id="{7EEEAADA-5977-413A-88BE-91037F6BA02B}" type="slidenum">
+              <a:rPr lang="de-AT" smtClean="0"/>
+              <a:t>8</a:t>
+            </a:fld>
+            <a:endParaRPr lang="de-AT"/>
+          </a:p>
+        </p:txBody>
+      </p:sp>
+      <p:pic>
+        <p:nvPicPr>
+          <p:cNvPr id="5122" name="Picture 2" descr="https://image.freepik.com/freie-ikonen/datenbank-symbol_318-9131.jpg"/>
+          <p:cNvPicPr>
+            <a:picLocks noChangeAspect="1" noChangeArrowheads="1"/>
+          </p:cNvPicPr>
+          <p:nvPr/>
+        </p:nvPicPr>
+        <p:blipFill>
+          <a:blip r:embed="rId2">
+            <a:extLst>
+              <a:ext uri="{28A0092B-C50C-407E-A947-70E740481C1C}">
+                <a14:useLocalDpi xmlns:a14="http://schemas.microsoft.com/office/drawing/2010/main" val="0"/>
+              </a:ext>
+            </a:extLst>
+          </a:blip>
+          <a:srcRect/>
+          <a:stretch>
+            <a:fillRect/>
+          </a:stretch>
+        </p:blipFill>
+        <p:spPr bwMode="auto">
+          <a:xfrm>
+            <a:off x="6876143" y="2213465"/>
+            <a:ext cx="3468914" cy="3555928"/>
+          </a:xfrm>
+          <a:prstGeom prst="rect">
+            <a:avLst/>
+          </a:prstGeom>
+          <a:noFill/>
+          <a:extLst>
+            <a:ext uri="{909E8E84-426E-40DD-AFC4-6F175D3DCCD1}">
+              <a14:hiddenFill xmlns:a14="http://schemas.microsoft.com/office/drawing/2010/main">
+                <a:solidFill>
+                  <a:srgbClr val="FFFFFF"/>
+                </a:solidFill>
+              </a14:hiddenFill>
+            </a:ext>
+          </a:extLst>
+        </p:spPr>
+      </p:pic>
+      <p:pic>
+        <p:nvPicPr>
+          <p:cNvPr id="5124" name="Picture 4" descr="http://img1.wikia.nocookie.net/__cb20140129172620/lieblingsbuecher/de/images/e/e8/Stift_-_Vector-Icon.png"/>
+          <p:cNvPicPr>
+            <a:picLocks noChangeAspect="1" noChangeArrowheads="1"/>
+          </p:cNvPicPr>
+          <p:nvPr/>
+        </p:nvPicPr>
+        <p:blipFill>
+          <a:blip r:embed="rId3">
+            <a:extLst>
+              <a:ext uri="{28A0092B-C50C-407E-A947-70E740481C1C}">
+                <a14:useLocalDpi xmlns:a14="http://schemas.microsoft.com/office/drawing/2010/main" val="0"/>
+              </a:ext>
+            </a:extLst>
+          </a:blip>
+          <a:srcRect/>
+          <a:stretch>
+            <a:fillRect/>
+          </a:stretch>
+        </p:blipFill>
+        <p:spPr bwMode="auto">
+          <a:xfrm>
+            <a:off x="1418772" y="1394731"/>
+            <a:ext cx="4876800" cy="4876801"/>
+          </a:xfrm>
+          <a:prstGeom prst="rect">
+            <a:avLst/>
+          </a:prstGeom>
+          <a:noFill/>
+          <a:ln>
+            <a:solidFill>
+              <a:schemeClr val="bg1"/>
+            </a:solidFill>
+          </a:ln>
+        </p:spPr>
+      </p:pic>
+      <p:sp>
+        <p:nvSpPr>
+          <p:cNvPr id="3" name="Datumsplatzhalter 2"/>
+          <p:cNvSpPr>
+            <a:spLocks noGrp="1"/>
+          </p:cNvSpPr>
+          <p:nvPr>
+            <p:ph type="dt" sz="half" idx="10"/>
+          </p:nvPr>
+        </p:nvSpPr>
+        <p:spPr/>
+        <p:txBody>
+          <a:bodyPr/>
+          <a:lstStyle/>
+          <a:p>
+            <a:r>
+              <a:rPr lang="de-AT" smtClean="0"/>
+              <a:t>20.01.2016</a:t>
+            </a:r>
+            <a:endParaRPr lang="de-AT"/>
+          </a:p>
+        </p:txBody>
+      </p:sp>
+      <p:sp>
+        <p:nvSpPr>
+          <p:cNvPr id="5" name="Fußzeilenplatzhalter 4"/>
+          <p:cNvSpPr>
+            <a:spLocks noGrp="1"/>
+          </p:cNvSpPr>
+          <p:nvPr>
+            <p:ph type="ftr" sz="quarter" idx="11"/>
+          </p:nvPr>
+        </p:nvSpPr>
+        <p:spPr/>
+        <p:txBody>
+          <a:bodyPr/>
+          <a:lstStyle/>
+          <a:p>
+            <a:r>
+              <a:rPr lang="de-AT" smtClean="0"/>
+              <a:t>Zwischenpräsentation 2 - DSN</a:t>
+            </a:r>
+            <a:endParaRPr lang="de-AT" dirty="0"/>
+          </a:p>
+        </p:txBody>
+      </p:sp>
+    </p:spTree>
+    <p:extLst>
+      <p:ext uri="{BB962C8B-B14F-4D97-AF65-F5344CB8AC3E}">
+        <p14:creationId xmlns:p14="http://schemas.microsoft.com/office/powerpoint/2010/main" val="3252757817"/>
       </p:ext>
     </p:extLst>
   </p:cSld>

--- a/doc/praesentationen/zwischenpraesentation2/zwischenpraesentation.pptx
+++ b/doc/praesentationen/zwischenpraesentation2/zwischenpraesentation.pptx
@@ -5876,7 +5876,12 @@
             <p:ph type="sldNum" sz="quarter" idx="12"/>
           </p:nvPr>
         </p:nvSpPr>
-        <p:spPr/>
+        <p:spPr>
+          <a:xfrm>
+            <a:off x="8610600" y="6383111"/>
+            <a:ext cx="2743200" cy="365125"/>
+          </a:xfrm>
+        </p:spPr>
         <p:txBody>
           <a:bodyPr/>
           <a:lstStyle/>
@@ -5897,7 +5902,7 @@
           </p:cNvPicPr>
           <p:nvPr/>
         </p:nvPicPr>
-        <p:blipFill>
+        <p:blipFill rotWithShape="1">
           <a:blip r:embed="rId2">
             <a:extLst>
               <a:ext uri="{28A0092B-C50C-407E-A947-70E740481C1C}">
@@ -5905,15 +5910,13 @@
               </a:ext>
             </a:extLst>
           </a:blip>
-          <a:srcRect/>
-          <a:stretch>
-            <a:fillRect/>
-          </a:stretch>
+          <a:srcRect l="13075" t="15175" r="15847" b="14568"/>
+          <a:stretch/>
         </p:blipFill>
         <p:spPr bwMode="auto">
           <a:xfrm>
-            <a:off x="6876143" y="2213465"/>
-            <a:ext cx="3468914" cy="3555928"/>
+            <a:off x="8888185" y="1877786"/>
+            <a:ext cx="2465615" cy="2498272"/>
           </a:xfrm>
           <a:prstGeom prst="rect">
             <a:avLst/>
@@ -5953,7 +5956,7 @@
         </p:blipFill>
         <p:spPr bwMode="auto">
           <a:xfrm>
-            <a:off x="1418772" y="1394731"/>
+            <a:off x="-408164" y="941955"/>
             <a:ext cx="4876800" cy="4876801"/>
           </a:xfrm>
           <a:prstGeom prst="rect">
@@ -6010,6 +6013,80 @@
               <a:t>Zwischenpräsentation 2 - DSN</a:t>
             </a:r>
             <a:endParaRPr lang="de-AT" dirty="0"/>
+          </a:p>
+        </p:txBody>
+      </p:sp>
+      <p:pic>
+        <p:nvPicPr>
+          <p:cNvPr id="7" name="Grafik 6"/>
+          <p:cNvPicPr>
+            <a:picLocks noChangeAspect="1"/>
+          </p:cNvPicPr>
+          <p:nvPr/>
+        </p:nvPicPr>
+        <p:blipFill>
+          <a:blip r:embed="rId4" cstate="print">
+            <a:extLst>
+              <a:ext uri="{28A0092B-C50C-407E-A947-70E740481C1C}">
+                <a14:useLocalDpi xmlns:a14="http://schemas.microsoft.com/office/drawing/2010/main" val="0"/>
+              </a:ext>
+            </a:extLst>
+          </a:blip>
+          <a:stretch>
+            <a:fillRect/>
+          </a:stretch>
+        </p:blipFill>
+        <p:spPr>
+          <a:xfrm>
+            <a:off x="4653693" y="2608263"/>
+            <a:ext cx="3499707" cy="3172632"/>
+          </a:xfrm>
+          <a:prstGeom prst="rect">
+            <a:avLst/>
+          </a:prstGeom>
+        </p:spPr>
+      </p:pic>
+      <p:sp>
+        <p:nvSpPr>
+          <p:cNvPr id="8" name="Ellipse 7"/>
+          <p:cNvSpPr/>
+          <p:nvPr/>
+        </p:nvSpPr>
+        <p:spPr>
+          <a:xfrm>
+            <a:off x="6531453" y="2538244"/>
+            <a:ext cx="669447" cy="645828"/>
+          </a:xfrm>
+          <a:prstGeom prst="ellipse">
+            <a:avLst/>
+          </a:prstGeom>
+          <a:noFill/>
+          <a:ln>
+            <a:solidFill>
+              <a:srgbClr val="FF0000"/>
+            </a:solidFill>
+          </a:ln>
+        </p:spPr>
+        <p:style>
+          <a:lnRef idx="2">
+            <a:schemeClr val="dk1"/>
+          </a:lnRef>
+          <a:fillRef idx="1">
+            <a:schemeClr val="lt1"/>
+          </a:fillRef>
+          <a:effectRef idx="0">
+            <a:schemeClr val="dk1"/>
+          </a:effectRef>
+          <a:fontRef idx="minor">
+            <a:schemeClr val="dk1"/>
+          </a:fontRef>
+        </p:style>
+        <p:txBody>
+          <a:bodyPr rtlCol="0" anchor="ctr"/>
+          <a:lstStyle/>
+          <a:p>
+            <a:pPr algn="ctr"/>
+            <a:endParaRPr lang="de-AT"/>
           </a:p>
         </p:txBody>
       </p:sp>
